--- a/project presentation.pptx
+++ b/project presentation.pptx
@@ -4872,8 +4872,8 @@
         </p:nvSpPr>
         <p:spPr bwMode="auto">
           <a:xfrm>
-            <a:off x="838199" y="2418284"/>
-            <a:ext cx="9889504" cy="3477875"/>
+            <a:off x="838200" y="1673972"/>
+            <a:ext cx="9889504" cy="3816429"/>
           </a:xfrm>
           <a:prstGeom prst="rect">
             <a:avLst/>
@@ -4938,7 +4938,7 @@
               <a:tabLst/>
             </a:pPr>
             <a:r>
-              <a:rPr kumimoji="0" lang="en-US" altLang="en-US" sz="2000" b="1" i="0" u="none" strike="noStrike" cap="none" normalizeH="0" baseline="0" dirty="0">
+              <a:rPr kumimoji="0" lang="en-US" altLang="en-US" sz="2200" b="1" i="0" u="none" strike="noStrike" cap="none" normalizeH="0" baseline="0" dirty="0">
                 <a:ln>
                   <a:noFill/>
                 </a:ln>
@@ -4951,7 +4951,7 @@
               <a:t>Functional Prototype:</a:t>
             </a:r>
             <a:r>
-              <a:rPr kumimoji="0" lang="en-US" altLang="en-US" sz="2000" b="0" i="0" u="none" strike="noStrike" cap="none" normalizeH="0" baseline="0" dirty="0">
+              <a:rPr kumimoji="0" lang="en-US" altLang="en-US" sz="2200" b="0" i="0" u="none" strike="noStrike" cap="none" normalizeH="0" baseline="0" dirty="0">
                 <a:ln>
                   <a:noFill/>
                 </a:ln>
@@ -4981,7 +4981,7 @@
               <a:buChar char="•"/>
               <a:tabLst/>
             </a:pPr>
-            <a:endParaRPr kumimoji="0" lang="en-US" altLang="en-US" sz="2000" b="0" i="0" u="none" strike="noStrike" cap="none" normalizeH="0" baseline="0" dirty="0">
+            <a:endParaRPr kumimoji="0" lang="en-US" altLang="en-US" sz="2200" b="0" i="0" u="none" strike="noStrike" cap="none" normalizeH="0" baseline="0" dirty="0">
               <a:ln>
                 <a:noFill/>
               </a:ln>
@@ -5010,7 +5010,7 @@
               <a:tabLst/>
             </a:pPr>
             <a:r>
-              <a:rPr kumimoji="0" lang="en-US" altLang="en-US" sz="2000" b="1" i="0" u="none" strike="noStrike" cap="none" normalizeH="0" baseline="0" dirty="0">
+              <a:rPr kumimoji="0" lang="en-US" altLang="en-US" sz="2200" b="1" i="0" u="none" strike="noStrike" cap="none" normalizeH="0" baseline="0" dirty="0">
                 <a:ln>
                   <a:noFill/>
                 </a:ln>
@@ -5023,7 +5023,7 @@
               <a:t>Efficiency:</a:t>
             </a:r>
             <a:r>
-              <a:rPr kumimoji="0" lang="en-US" altLang="en-US" sz="2000" b="0" i="0" u="none" strike="noStrike" cap="none" normalizeH="0" baseline="0" dirty="0">
+              <a:rPr kumimoji="0" lang="en-US" altLang="en-US" sz="2200" b="0" i="0" u="none" strike="noStrike" cap="none" normalizeH="0" baseline="0" dirty="0">
                 <a:ln>
                   <a:noFill/>
                 </a:ln>
@@ -5036,7 +5036,7 @@
               <a:t> Reduction of user effort by </a:t>
             </a:r>
             <a:r>
-              <a:rPr kumimoji="0" lang="en-US" altLang="en-US" sz="2000" b="1" i="0" u="none" strike="noStrike" cap="none" normalizeH="0" baseline="0" dirty="0">
+              <a:rPr kumimoji="0" lang="en-US" altLang="en-US" sz="2200" b="1" i="0" u="none" strike="noStrike" cap="none" normalizeH="0" baseline="0" dirty="0">
                 <a:ln>
                   <a:noFill/>
                 </a:ln>
@@ -5049,7 +5049,7 @@
               <a:t>90%</a:t>
             </a:r>
             <a:r>
-              <a:rPr kumimoji="0" lang="en-US" altLang="en-US" sz="2000" b="0" i="0" u="none" strike="noStrike" cap="none" normalizeH="0" baseline="0" dirty="0">
+              <a:rPr kumimoji="0" lang="en-US" altLang="en-US" sz="2200" b="0" i="0" u="none" strike="noStrike" cap="none" normalizeH="0" baseline="0" dirty="0">
                 <a:ln>
                   <a:noFill/>
                 </a:ln>
@@ -5079,7 +5079,7 @@
               <a:buChar char="•"/>
               <a:tabLst/>
             </a:pPr>
-            <a:endParaRPr kumimoji="0" lang="en-US" altLang="en-US" sz="2000" b="0" i="0" u="none" strike="noStrike" cap="none" normalizeH="0" baseline="0" dirty="0">
+            <a:endParaRPr kumimoji="0" lang="en-US" altLang="en-US" sz="2200" b="0" i="0" u="none" strike="noStrike" cap="none" normalizeH="0" baseline="0" dirty="0">
               <a:ln>
                 <a:noFill/>
               </a:ln>
@@ -5108,7 +5108,7 @@
               <a:tabLst/>
             </a:pPr>
             <a:r>
-              <a:rPr kumimoji="0" lang="en-US" altLang="en-US" sz="2000" b="1" i="0" u="none" strike="noStrike" cap="none" normalizeH="0" baseline="0" dirty="0">
+              <a:rPr kumimoji="0" lang="en-US" altLang="en-US" sz="2200" b="1" i="0" u="none" strike="noStrike" cap="none" normalizeH="0" baseline="0" dirty="0">
                 <a:ln>
                   <a:noFill/>
                 </a:ln>
@@ -5121,7 +5121,7 @@
               <a:t>Accuracy:</a:t>
             </a:r>
             <a:r>
-              <a:rPr kumimoji="0" lang="en-US" altLang="en-US" sz="2000" b="0" i="0" u="none" strike="noStrike" cap="none" normalizeH="0" baseline="0" dirty="0">
+              <a:rPr kumimoji="0" lang="en-US" altLang="en-US" sz="2200" b="0" i="0" u="none" strike="noStrike" cap="none" normalizeH="0" baseline="0" dirty="0">
                 <a:ln>
                   <a:noFill/>
                 </a:ln>
@@ -5151,7 +5151,7 @@
               <a:buChar char="•"/>
               <a:tabLst/>
             </a:pPr>
-            <a:endParaRPr kumimoji="0" lang="en-US" altLang="en-US" sz="2000" b="0" i="0" u="none" strike="noStrike" cap="none" normalizeH="0" baseline="0" dirty="0">
+            <a:endParaRPr kumimoji="0" lang="en-US" altLang="en-US" sz="2200" b="0" i="0" u="none" strike="noStrike" cap="none" normalizeH="0" baseline="0" dirty="0">
               <a:ln>
                 <a:noFill/>
               </a:ln>
@@ -5180,7 +5180,7 @@
               <a:tabLst/>
             </a:pPr>
             <a:r>
-              <a:rPr kumimoji="0" lang="en-US" altLang="en-US" sz="2000" b="1" i="0" u="none" strike="noStrike" cap="none" normalizeH="0" baseline="0" dirty="0">
+              <a:rPr kumimoji="0" lang="en-US" altLang="en-US" sz="2200" b="1" i="0" u="none" strike="noStrike" cap="none" normalizeH="0" baseline="0" dirty="0">
                 <a:ln>
                   <a:noFill/>
                 </a:ln>
@@ -5193,7 +5193,7 @@
               <a:t>Social Impact:</a:t>
             </a:r>
             <a:r>
-              <a:rPr kumimoji="0" lang="en-US" altLang="en-US" sz="2000" b="0" i="0" u="none" strike="noStrike" cap="none" normalizeH="0" baseline="0" dirty="0">
+              <a:rPr kumimoji="0" lang="en-US" altLang="en-US" sz="2200" b="0" i="0" u="none" strike="noStrike" cap="none" normalizeH="0" baseline="0" dirty="0">
                 <a:ln>
                   <a:noFill/>
                 </a:ln>
@@ -6313,6 +6313,9 @@
           <a:bodyPr/>
           <a:lstStyle/>
           <a:p>
+            <a:pPr marL="0" indent="0">
+              <a:buNone/>
+            </a:pPr>
             <a:r>
               <a:rPr lang="en-IN" b="1" dirty="0"/>
               <a:t>Traditional Keyword Search Systems (e.g., Standard Portals):</a:t>
@@ -6456,38 +6459,41 @@
           </a:bodyPr>
           <a:lstStyle/>
           <a:p>
-            <a:r>
-              <a:rPr lang="en-IN" b="1" dirty="0"/>
-              <a:t>RAG-based Chatbots (e.g., </a:t>
-            </a:r>
-            <a:r>
-              <a:rPr lang="en-IN" b="1" dirty="0" err="1"/>
-              <a:t>GenAI</a:t>
-            </a:r>
-            <a:r>
-              <a:rPr lang="en-IN" b="1" dirty="0"/>
-              <a:t> Wrappers):</a:t>
-            </a:r>
-            <a:endParaRPr lang="en-IN" i="1" dirty="0"/>
-          </a:p>
-          <a:p>
             <a:pPr marL="0" indent="0">
               <a:buNone/>
             </a:pPr>
             <a:r>
-              <a:rPr lang="en-US" i="1" dirty="0"/>
-              <a:t>Analysis:</a:t>
-            </a:r>
-            <a:r>
-              <a:rPr lang="en-US" dirty="0"/>
-              <a:t> </a:t>
-            </a:r>
+              <a:rPr lang="en-IN" b="1" dirty="0"/>
+              <a:t>RAG-based Chatbots (e.g., </a:t>
+            </a:r>
+            <a:r>
+              <a:rPr lang="en-IN" b="1" dirty="0" err="1"/>
+              <a:t>GenAI</a:t>
+            </a:r>
+            <a:r>
+              <a:rPr lang="en-IN" b="1" dirty="0"/>
+              <a:t> Wrappers):</a:t>
+            </a:r>
+            <a:endParaRPr lang="en-IN" i="1" dirty="0"/>
           </a:p>
           <a:p>
             <a:pPr marL="0" indent="0">
               <a:buNone/>
             </a:pPr>
             <a:r>
+              <a:rPr lang="en-US" i="1" dirty="0"/>
+              <a:t>Analysis:</a:t>
+            </a:r>
+            <a:r>
+              <a:rPr lang="en-US" dirty="0"/>
+              <a:t> </a:t>
+            </a:r>
+          </a:p>
+          <a:p>
+            <a:pPr marL="0" indent="0">
+              <a:buNone/>
+            </a:pPr>
+            <a:r>
               <a:rPr lang="en-US" dirty="0"/>
               <a:t>Good at summarizing scheme rules but suffer from </a:t>
             </a:r>
@@ -6521,6 +6527,9 @@
             <a:endParaRPr lang="en-IN" sz="1600" dirty="0"/>
           </a:p>
           <a:p>
+            <a:pPr marL="0" indent="0">
+              <a:buNone/>
+            </a:pPr>
             <a:r>
               <a:rPr lang="en-IN" b="1" dirty="0"/>
               <a:t>OCR &amp; Digitization Tools:</a:t>
